--- a/Presentation1.pptx
+++ b/Presentation1.pptx
@@ -115,16 +115,40 @@
 </p:presentation>
 </file>
 
-<file path=ppt/revisionInfo.xml><?xml version="1.0" encoding="utf-8"?>
-<p1510:revInfo xmlns:a="http://schemas.openxmlformats.org/drawingml/2006/main" xmlns:r="http://schemas.openxmlformats.org/officeDocument/2006/relationships" xmlns:p1510="http://schemas.microsoft.com/office/powerpoint/2015/10/main">
-  <p1510:revLst>
-    <p1510:client id="{8DA6EA6E-5B83-47A3-A177-2232C9D99F4B}" v="27" dt="2023-11-17T03:37:43.012"/>
-  </p1510:revLst>
-</p1510:revInfo>
-</file>
-
 <file path=ppt/changesInfos/changesInfo1.xml><?xml version="1.0" encoding="utf-8"?>
 <pc:chgInfo xmlns:a="http://schemas.openxmlformats.org/drawingml/2006/main" xmlns:r="http://schemas.openxmlformats.org/officeDocument/2006/relationships" xmlns:ac="http://schemas.microsoft.com/office/drawing/2013/main/command" xmlns:pc="http://schemas.microsoft.com/office/powerpoint/2013/main/command">
+  <pc:docChgLst>
+    <pc:chgData name="Trey Plichta" userId="31647d8c6624f680" providerId="LiveId" clId="{0C8E402A-E59A-4B55-A738-5CE23B2C6F44}"/>
+    <pc:docChg chg="undo custSel modSld">
+      <pc:chgData name="Trey Plichta" userId="31647d8c6624f680" providerId="LiveId" clId="{0C8E402A-E59A-4B55-A738-5CE23B2C6F44}" dt="2023-12-13T00:28:07.122" v="3" actId="478"/>
+      <pc:docMkLst>
+        <pc:docMk/>
+      </pc:docMkLst>
+      <pc:sldChg chg="addSp delSp mod">
+        <pc:chgData name="Trey Plichta" userId="31647d8c6624f680" providerId="LiveId" clId="{0C8E402A-E59A-4B55-A738-5CE23B2C6F44}" dt="2023-12-13T00:28:07.122" v="3" actId="478"/>
+        <pc:sldMkLst>
+          <pc:docMk/>
+          <pc:sldMk cId="1659524804" sldId="256"/>
+        </pc:sldMkLst>
+        <pc:spChg chg="add del">
+          <ac:chgData name="Trey Plichta" userId="31647d8c6624f680" providerId="LiveId" clId="{0C8E402A-E59A-4B55-A738-5CE23B2C6F44}" dt="2023-12-13T00:28:05.463" v="2" actId="478"/>
+          <ac:spMkLst>
+            <pc:docMk/>
+            <pc:sldMk cId="1659524804" sldId="256"/>
+            <ac:spMk id="14" creationId="{928D6DC8-FB25-9F07-4C88-DAF7BDA10254}"/>
+          </ac:spMkLst>
+        </pc:spChg>
+        <pc:picChg chg="add del">
+          <ac:chgData name="Trey Plichta" userId="31647d8c6624f680" providerId="LiveId" clId="{0C8E402A-E59A-4B55-A738-5CE23B2C6F44}" dt="2023-12-13T00:28:07.122" v="3" actId="478"/>
+          <ac:picMkLst>
+            <pc:docMk/>
+            <pc:sldMk cId="1659524804" sldId="256"/>
+            <ac:picMk id="13" creationId="{323FFF91-EE4E-3E91-9833-51BADD77248F}"/>
+          </ac:picMkLst>
+        </pc:picChg>
+      </pc:sldChg>
+    </pc:docChg>
+  </pc:docChgLst>
   <pc:docChgLst>
     <pc:chgData name="Trey Plichta" userId="31647d8c6624f680" providerId="LiveId" clId="{8DA6EA6E-5B83-47A3-A177-2232C9D99F4B}"/>
     <pc:docChg chg="custSel addSld modSld">
@@ -763,7 +787,7 @@
           <a:p>
             <a:fld id="{F2F667FB-68C5-4C83-89C3-75BB9B7E0A20}" type="datetimeFigureOut">
               <a:rPr lang="en-US" smtClean="0"/>
-              <a:t>11/16/2023</a:t>
+              <a:t>12/12/2023</a:t>
             </a:fld>
             <a:endParaRPr lang="en-US"/>
           </a:p>
@@ -961,7 +985,7 @@
           <a:p>
             <a:fld id="{F2F667FB-68C5-4C83-89C3-75BB9B7E0A20}" type="datetimeFigureOut">
               <a:rPr lang="en-US" smtClean="0"/>
-              <a:t>11/16/2023</a:t>
+              <a:t>12/12/2023</a:t>
             </a:fld>
             <a:endParaRPr lang="en-US"/>
           </a:p>
@@ -1169,7 +1193,7 @@
           <a:p>
             <a:fld id="{F2F667FB-68C5-4C83-89C3-75BB9B7E0A20}" type="datetimeFigureOut">
               <a:rPr lang="en-US" smtClean="0"/>
-              <a:t>11/16/2023</a:t>
+              <a:t>12/12/2023</a:t>
             </a:fld>
             <a:endParaRPr lang="en-US"/>
           </a:p>
@@ -1367,7 +1391,7 @@
           <a:p>
             <a:fld id="{F2F667FB-68C5-4C83-89C3-75BB9B7E0A20}" type="datetimeFigureOut">
               <a:rPr lang="en-US" smtClean="0"/>
-              <a:t>11/16/2023</a:t>
+              <a:t>12/12/2023</a:t>
             </a:fld>
             <a:endParaRPr lang="en-US"/>
           </a:p>
@@ -1642,7 +1666,7 @@
           <a:p>
             <a:fld id="{F2F667FB-68C5-4C83-89C3-75BB9B7E0A20}" type="datetimeFigureOut">
               <a:rPr lang="en-US" smtClean="0"/>
-              <a:t>11/16/2023</a:t>
+              <a:t>12/12/2023</a:t>
             </a:fld>
             <a:endParaRPr lang="en-US"/>
           </a:p>
@@ -1907,7 +1931,7 @@
           <a:p>
             <a:fld id="{F2F667FB-68C5-4C83-89C3-75BB9B7E0A20}" type="datetimeFigureOut">
               <a:rPr lang="en-US" smtClean="0"/>
-              <a:t>11/16/2023</a:t>
+              <a:t>12/12/2023</a:t>
             </a:fld>
             <a:endParaRPr lang="en-US"/>
           </a:p>
@@ -2319,7 +2343,7 @@
           <a:p>
             <a:fld id="{F2F667FB-68C5-4C83-89C3-75BB9B7E0A20}" type="datetimeFigureOut">
               <a:rPr lang="en-US" smtClean="0"/>
-              <a:t>11/16/2023</a:t>
+              <a:t>12/12/2023</a:t>
             </a:fld>
             <a:endParaRPr lang="en-US"/>
           </a:p>
@@ -2460,7 +2484,7 @@
           <a:p>
             <a:fld id="{F2F667FB-68C5-4C83-89C3-75BB9B7E0A20}" type="datetimeFigureOut">
               <a:rPr lang="en-US" smtClean="0"/>
-              <a:t>11/16/2023</a:t>
+              <a:t>12/12/2023</a:t>
             </a:fld>
             <a:endParaRPr lang="en-US"/>
           </a:p>
@@ -2573,7 +2597,7 @@
           <a:p>
             <a:fld id="{F2F667FB-68C5-4C83-89C3-75BB9B7E0A20}" type="datetimeFigureOut">
               <a:rPr lang="en-US" smtClean="0"/>
-              <a:t>11/16/2023</a:t>
+              <a:t>12/12/2023</a:t>
             </a:fld>
             <a:endParaRPr lang="en-US"/>
           </a:p>
@@ -2884,7 +2908,7 @@
           <a:p>
             <a:fld id="{F2F667FB-68C5-4C83-89C3-75BB9B7E0A20}" type="datetimeFigureOut">
               <a:rPr lang="en-US" smtClean="0"/>
-              <a:t>11/16/2023</a:t>
+              <a:t>12/12/2023</a:t>
             </a:fld>
             <a:endParaRPr lang="en-US"/>
           </a:p>
@@ -3172,7 +3196,7 @@
           <a:p>
             <a:fld id="{F2F667FB-68C5-4C83-89C3-75BB9B7E0A20}" type="datetimeFigureOut">
               <a:rPr lang="en-US" smtClean="0"/>
-              <a:t>11/16/2023</a:t>
+              <a:t>12/12/2023</a:t>
             </a:fld>
             <a:endParaRPr lang="en-US"/>
           </a:p>
@@ -3413,7 +3437,7 @@
           <a:p>
             <a:fld id="{F2F667FB-68C5-4C83-89C3-75BB9B7E0A20}" type="datetimeFigureOut">
               <a:rPr lang="en-US" smtClean="0"/>
-              <a:t>11/16/2023</a:t>
+              <a:t>12/12/2023</a:t>
             </a:fld>
             <a:endParaRPr lang="en-US"/>
           </a:p>
